--- a/Will_Section3_Resources/Section 3 Powerpoint.pptx
+++ b/Will_Section3_Resources/Section 3 Powerpoint.pptx
@@ -5,7 +5,7 @@
     <p:sldMasterId id="2147483648" r:id="rId1"/>
   </p:sldMasterIdLst>
   <p:notesMasterIdLst>
-    <p:notesMasterId r:id="rId50"/>
+    <p:notesMasterId r:id="rId51"/>
   </p:notesMasterIdLst>
   <p:sldIdLst>
     <p:sldId id="256" r:id="rId2"/>
@@ -13,20 +13,20 @@
     <p:sldId id="296" r:id="rId4"/>
     <p:sldId id="297" r:id="rId5"/>
     <p:sldId id="298" r:id="rId6"/>
-    <p:sldId id="299" r:id="rId7"/>
-    <p:sldId id="300" r:id="rId8"/>
-    <p:sldId id="301" r:id="rId9"/>
-    <p:sldId id="307" r:id="rId10"/>
-    <p:sldId id="308" r:id="rId11"/>
-    <p:sldId id="302" r:id="rId12"/>
-    <p:sldId id="305" r:id="rId13"/>
-    <p:sldId id="306" r:id="rId14"/>
-    <p:sldId id="303" r:id="rId15"/>
-    <p:sldId id="316" r:id="rId16"/>
-    <p:sldId id="317" r:id="rId17"/>
-    <p:sldId id="257" r:id="rId18"/>
-    <p:sldId id="258" r:id="rId19"/>
-    <p:sldId id="259" r:id="rId20"/>
+    <p:sldId id="300" r:id="rId7"/>
+    <p:sldId id="301" r:id="rId8"/>
+    <p:sldId id="307" r:id="rId9"/>
+    <p:sldId id="308" r:id="rId10"/>
+    <p:sldId id="302" r:id="rId11"/>
+    <p:sldId id="305" r:id="rId12"/>
+    <p:sldId id="306" r:id="rId13"/>
+    <p:sldId id="303" r:id="rId14"/>
+    <p:sldId id="316" r:id="rId15"/>
+    <p:sldId id="317" r:id="rId16"/>
+    <p:sldId id="257" r:id="rId17"/>
+    <p:sldId id="258" r:id="rId18"/>
+    <p:sldId id="259" r:id="rId19"/>
+    <p:sldId id="322" r:id="rId20"/>
     <p:sldId id="260" r:id="rId21"/>
     <p:sldId id="261" r:id="rId22"/>
     <p:sldId id="262" r:id="rId23"/>
@@ -56,6 +56,7 @@
     <p:sldId id="291" r:id="rId47"/>
     <p:sldId id="266" r:id="rId48"/>
     <p:sldId id="268" r:id="rId49"/>
+    <p:sldId id="323" r:id="rId50"/>
   </p:sldIdLst>
   <p:sldSz cx="9144000" cy="6858000" type="screen4x3"/>
   <p:notesSz cx="6858000" cy="9144000"/>
@@ -239,7 +240,7 @@
           <a:p>
             <a:fld id="{A4A185A3-6B6D-7A45-976C-425BB062268C}" type="datetimeFigureOut">
               <a:rPr lang="en-US" smtClean="0"/>
-              <a:t>9/23/14</a:t>
+              <a:t>2/6/15</a:t>
             </a:fld>
             <a:endParaRPr lang="en-US"/>
           </a:p>
@@ -1764,7 +1765,7 @@
           <a:p>
             <a:fld id="{56C73FC5-5928-0346-8564-CB98CC262F88}" type="datetimeFigureOut">
               <a:rPr lang="en-US" smtClean="0"/>
-              <a:t>9/23/14</a:t>
+              <a:t>2/6/15</a:t>
             </a:fld>
             <a:endParaRPr lang="en-US"/>
           </a:p>
@@ -1934,7 +1935,7 @@
           <a:p>
             <a:fld id="{56C73FC5-5928-0346-8564-CB98CC262F88}" type="datetimeFigureOut">
               <a:rPr lang="en-US" smtClean="0"/>
-              <a:t>9/23/14</a:t>
+              <a:t>2/6/15</a:t>
             </a:fld>
             <a:endParaRPr lang="en-US"/>
           </a:p>
@@ -2114,7 +2115,7 @@
           <a:p>
             <a:fld id="{56C73FC5-5928-0346-8564-CB98CC262F88}" type="datetimeFigureOut">
               <a:rPr lang="en-US" smtClean="0"/>
-              <a:t>9/23/14</a:t>
+              <a:t>2/6/15</a:t>
             </a:fld>
             <a:endParaRPr lang="en-US"/>
           </a:p>
@@ -2284,7 +2285,7 @@
           <a:p>
             <a:fld id="{56C73FC5-5928-0346-8564-CB98CC262F88}" type="datetimeFigureOut">
               <a:rPr lang="en-US" smtClean="0"/>
-              <a:t>9/23/14</a:t>
+              <a:t>2/6/15</a:t>
             </a:fld>
             <a:endParaRPr lang="en-US"/>
           </a:p>
@@ -2530,7 +2531,7 @@
           <a:p>
             <a:fld id="{56C73FC5-5928-0346-8564-CB98CC262F88}" type="datetimeFigureOut">
               <a:rPr lang="en-US" smtClean="0"/>
-              <a:t>9/23/14</a:t>
+              <a:t>2/6/15</a:t>
             </a:fld>
             <a:endParaRPr lang="en-US"/>
           </a:p>
@@ -2818,7 +2819,7 @@
           <a:p>
             <a:fld id="{56C73FC5-5928-0346-8564-CB98CC262F88}" type="datetimeFigureOut">
               <a:rPr lang="en-US" smtClean="0"/>
-              <a:t>9/23/14</a:t>
+              <a:t>2/6/15</a:t>
             </a:fld>
             <a:endParaRPr lang="en-US"/>
           </a:p>
@@ -3240,7 +3241,7 @@
           <a:p>
             <a:fld id="{56C73FC5-5928-0346-8564-CB98CC262F88}" type="datetimeFigureOut">
               <a:rPr lang="en-US" smtClean="0"/>
-              <a:t>9/23/14</a:t>
+              <a:t>2/6/15</a:t>
             </a:fld>
             <a:endParaRPr lang="en-US"/>
           </a:p>
@@ -3358,7 +3359,7 @@
           <a:p>
             <a:fld id="{56C73FC5-5928-0346-8564-CB98CC262F88}" type="datetimeFigureOut">
               <a:rPr lang="en-US" smtClean="0"/>
-              <a:t>9/23/14</a:t>
+              <a:t>2/6/15</a:t>
             </a:fld>
             <a:endParaRPr lang="en-US"/>
           </a:p>
@@ -3453,7 +3454,7 @@
           <a:p>
             <a:fld id="{56C73FC5-5928-0346-8564-CB98CC262F88}" type="datetimeFigureOut">
               <a:rPr lang="en-US" smtClean="0"/>
-              <a:t>9/23/14</a:t>
+              <a:t>2/6/15</a:t>
             </a:fld>
             <a:endParaRPr lang="en-US"/>
           </a:p>
@@ -3730,7 +3731,7 @@
           <a:p>
             <a:fld id="{56C73FC5-5928-0346-8564-CB98CC262F88}" type="datetimeFigureOut">
               <a:rPr lang="en-US" smtClean="0"/>
-              <a:t>9/23/14</a:t>
+              <a:t>2/6/15</a:t>
             </a:fld>
             <a:endParaRPr lang="en-US"/>
           </a:p>
@@ -3983,7 +3984,7 @@
           <a:p>
             <a:fld id="{56C73FC5-5928-0346-8564-CB98CC262F88}" type="datetimeFigureOut">
               <a:rPr lang="en-US" smtClean="0"/>
-              <a:t>9/23/14</a:t>
+              <a:t>2/6/15</a:t>
             </a:fld>
             <a:endParaRPr lang="en-US"/>
           </a:p>
@@ -4196,7 +4197,7 @@
           <a:p>
             <a:fld id="{56C73FC5-5928-0346-8564-CB98CC262F88}" type="datetimeFigureOut">
               <a:rPr lang="en-US" smtClean="0"/>
-              <a:t>9/23/14</a:t>
+              <a:t>2/6/15</a:t>
             </a:fld>
             <a:endParaRPr lang="en-US"/>
           </a:p>
@@ -4657,9 +4658,31 @@
       </p:grpSpPr>
       <p:sp>
         <p:nvSpPr>
-          <p:cNvPr id="2" name="Title 1"/>
+          <p:cNvPr id="4" name="Footer Placeholder 3"/>
           <p:cNvSpPr>
             <a:spLocks noGrp="1"/>
+          </p:cNvSpPr>
+          <p:nvPr>
+            <p:ph type="ftr" sz="quarter" idx="10"/>
+          </p:nvPr>
+        </p:nvSpPr>
+        <p:spPr/>
+        <p:txBody>
+          <a:bodyPr/>
+          <a:lstStyle/>
+          <a:p>
+            <a:r>
+              <a:rPr lang="en-US"/>
+              <a:t>CS677: Distributed OS</a:t>
+            </a:r>
+          </a:p>
+        </p:txBody>
+      </p:sp>
+      <p:sp>
+        <p:nvSpPr>
+          <p:cNvPr id="13314" name="Rectangle 2"/>
+          <p:cNvSpPr>
+            <a:spLocks noGrp="1" noChangeArrowheads="1"/>
           </p:cNvSpPr>
           <p:nvPr>
             <p:ph type="title"/>
@@ -4671,51 +4694,119 @@
           <a:lstStyle/>
           <a:p>
             <a:r>
-              <a:rPr lang="en-US" dirty="0" smtClean="0"/>
-              <a:t>Disadvantages</a:t>
-            </a:r>
-            <a:endParaRPr lang="en-US" dirty="0"/>
-          </a:p>
-        </p:txBody>
-      </p:sp>
-      <p:sp>
-        <p:nvSpPr>
-          <p:cNvPr id="3" name="Content Placeholder 2"/>
-          <p:cNvSpPr>
-            <a:spLocks noGrp="1"/>
+              <a:rPr lang="en-US"/>
+              <a:t>User-level Threads</a:t>
+            </a:r>
+          </a:p>
+        </p:txBody>
+      </p:sp>
+      <p:sp>
+        <p:nvSpPr>
+          <p:cNvPr id="13315" name="Rectangle 3"/>
+          <p:cNvSpPr>
+            <a:spLocks noGrp="1" noChangeArrowheads="1"/>
           </p:cNvSpPr>
           <p:nvPr>
-            <p:ph idx="1"/>
+            <p:ph type="body" idx="1"/>
           </p:nvPr>
         </p:nvSpPr>
-        <p:spPr/>
+        <p:spPr>
+          <a:xfrm>
+            <a:off x="0" y="1371600"/>
+            <a:ext cx="8909050" cy="4730750"/>
+          </a:xfrm>
+        </p:spPr>
         <p:txBody>
           <a:bodyPr>
-            <a:normAutofit fontScale="92500" lnSpcReduction="10000"/>
+            <a:normAutofit lnSpcReduction="10000"/>
           </a:bodyPr>
           <a:lstStyle/>
           <a:p>
+            <a:pPr>
+              <a:lnSpc>
+                <a:spcPct val="90000"/>
+              </a:lnSpc>
+            </a:pPr>
+            <a:r>
+              <a:rPr lang="en-US" dirty="0"/>
+              <a:t>Threads managed by </a:t>
+            </a:r>
+            <a:r>
+              <a:rPr lang="en-US" dirty="0" smtClean="0"/>
+              <a:t>run-time user-level library</a:t>
+            </a:r>
+          </a:p>
+          <a:p>
+            <a:pPr lvl="1">
+              <a:lnSpc>
+                <a:spcPct val="90000"/>
+              </a:lnSpc>
+            </a:pPr>
+            <a:r>
+              <a:rPr lang="en-US" dirty="0" smtClean="0"/>
+              <a:t>Kernel knows nothing about threads. Only knows process they are associated with</a:t>
+            </a:r>
+          </a:p>
+          <a:p>
+            <a:pPr>
+              <a:lnSpc>
+                <a:spcPct val="90000"/>
+              </a:lnSpc>
+            </a:pPr>
             <a:endParaRPr lang="en-US" dirty="0" smtClean="0"/>
           </a:p>
           <a:p>
+            <a:pPr>
+              <a:lnSpc>
+                <a:spcPct val="90000"/>
+              </a:lnSpc>
+            </a:pPr>
             <a:r>
               <a:rPr lang="en-US" dirty="0" smtClean="0"/>
-              <a:t>The kernel-level threads are slow and inefficient. For instance, threads operations are hundreds of times slower than that of user-level threads.</a:t>
-            </a:r>
-          </a:p>
-          <a:p>
+              <a:t>User-Level threads are small and fast, each thread is represented by a </a:t>
+            </a:r>
+            <a:r>
+              <a:rPr lang="en-US" dirty="0" err="1" smtClean="0"/>
+              <a:t>PC,register,stack</a:t>
+            </a:r>
             <a:r>
               <a:rPr lang="en-US" dirty="0" smtClean="0"/>
-              <a:t>Since kernel must manage and schedule threads as well as processes. It require a full thread control block (TCB) for each thread to maintain information about threads. As a result there is significant overhead and increased in kernel complexity.</a:t>
-            </a:r>
-            <a:endParaRPr lang="en-US" dirty="0"/>
+              <a:t>, and small thread control block. </a:t>
+            </a:r>
+          </a:p>
+          <a:p>
+            <a:pPr>
+              <a:lnSpc>
+                <a:spcPct val="90000"/>
+              </a:lnSpc>
+            </a:pPr>
+            <a:r>
+              <a:rPr lang="en-US" dirty="0" smtClean="0"/>
+              <a:t>Creating a new thread, </a:t>
+            </a:r>
+            <a:r>
+              <a:rPr lang="en-US" dirty="0" err="1" smtClean="0"/>
+              <a:t>switiching</a:t>
+            </a:r>
+            <a:r>
+              <a:rPr lang="en-US" dirty="0" smtClean="0"/>
+              <a:t> between threads, and synchronizing threads are done via procedure call. </a:t>
+            </a:r>
+            <a:r>
+              <a:rPr lang="en-US" dirty="0" err="1" smtClean="0"/>
+              <a:t>i.e</a:t>
+            </a:r>
+            <a:r>
+              <a:rPr lang="en-US" dirty="0" smtClean="0"/>
+              <a:t> no kernel involvement. </a:t>
+            </a:r>
           </a:p>
         </p:txBody>
       </p:sp>
     </p:spTree>
     <p:extLst>
       <p:ext uri="{BB962C8B-B14F-4D97-AF65-F5344CB8AC3E}">
-        <p14:creationId xmlns:p14="http://schemas.microsoft.com/office/powerpoint/2010/main" val="2821183971"/>
+        <p14:creationId xmlns:p14="http://schemas.microsoft.com/office/powerpoint/2010/main" val="33993062"/>
       </p:ext>
     </p:extLst>
   </p:cSld>
@@ -4744,31 +4835,9 @@
       </p:grpSpPr>
       <p:sp>
         <p:nvSpPr>
-          <p:cNvPr id="4" name="Footer Placeholder 3"/>
+          <p:cNvPr id="2" name="Title 1"/>
           <p:cNvSpPr>
             <a:spLocks noGrp="1"/>
-          </p:cNvSpPr>
-          <p:nvPr>
-            <p:ph type="ftr" sz="quarter" idx="10"/>
-          </p:nvPr>
-        </p:nvSpPr>
-        <p:spPr/>
-        <p:txBody>
-          <a:bodyPr/>
-          <a:lstStyle/>
-          <a:p>
-            <a:r>
-              <a:rPr lang="en-US"/>
-              <a:t>CS677: Distributed OS</a:t>
-            </a:r>
-          </a:p>
-        </p:txBody>
-      </p:sp>
-      <p:sp>
-        <p:nvSpPr>
-          <p:cNvPr id="13314" name="Rectangle 2"/>
-          <p:cNvSpPr>
-            <a:spLocks noGrp="1" noChangeArrowheads="1"/>
           </p:cNvSpPr>
           <p:nvPr>
             <p:ph type="title"/>
@@ -4779,32 +4848,24 @@
           <a:bodyPr/>
           <a:lstStyle/>
           <a:p>
-            <a:r>
-              <a:rPr lang="en-US"/>
-              <a:t>User-level Threads</a:t>
-            </a:r>
-          </a:p>
-        </p:txBody>
-      </p:sp>
-      <p:sp>
-        <p:nvSpPr>
-          <p:cNvPr id="13315" name="Rectangle 3"/>
-          <p:cNvSpPr>
-            <a:spLocks noGrp="1" noChangeArrowheads="1"/>
+            <a:endParaRPr lang="en-US" dirty="0"/>
+          </a:p>
+        </p:txBody>
+      </p:sp>
+      <p:sp>
+        <p:nvSpPr>
+          <p:cNvPr id="3" name="Content Placeholder 2"/>
+          <p:cNvSpPr>
+            <a:spLocks noGrp="1"/>
           </p:cNvSpPr>
           <p:nvPr>
-            <p:ph type="body" idx="1"/>
+            <p:ph idx="1"/>
           </p:nvPr>
         </p:nvSpPr>
-        <p:spPr>
-          <a:xfrm>
-            <a:off x="0" y="1371600"/>
-            <a:ext cx="8909050" cy="4730750"/>
-          </a:xfrm>
-        </p:spPr>
+        <p:spPr/>
         <p:txBody>
           <a:bodyPr>
-            <a:normAutofit lnSpcReduction="10000"/>
+            <a:normAutofit fontScale="92500"/>
           </a:bodyPr>
           <a:lstStyle/>
           <a:p>
@@ -4814,12 +4875,8 @@
               </a:lnSpc>
             </a:pPr>
             <a:r>
-              <a:rPr lang="en-US" dirty="0"/>
-              <a:t>Threads managed by </a:t>
-            </a:r>
-            <a:r>
               <a:rPr lang="en-US" dirty="0" smtClean="0"/>
-              <a:t>run-time user-level library</a:t>
+              <a:t>Advantages</a:t>
             </a:r>
           </a:p>
           <a:p>
@@ -4830,69 +4887,51 @@
             </a:pPr>
             <a:r>
               <a:rPr lang="en-US" dirty="0" smtClean="0"/>
-              <a:t>Kernel knows nothing about threads. Only knows process they are associated with</a:t>
-            </a:r>
-          </a:p>
-          <a:p>
-            <a:pPr>
+              <a:t>If OS doesn’t support threads, now you can!</a:t>
+            </a:r>
+          </a:p>
+          <a:p>
+            <a:pPr lvl="1">
               <a:lnSpc>
                 <a:spcPct val="90000"/>
               </a:lnSpc>
             </a:pPr>
-            <a:endParaRPr lang="en-US" dirty="0" smtClean="0"/>
-          </a:p>
-          <a:p>
-            <a:pPr>
+            <a:r>
+              <a:rPr lang="en-US" dirty="0" smtClean="0"/>
+              <a:t>Simple Representation: Each thread is represented simply by a PC, registers, stack and a small control block, all stored in the user process address space.</a:t>
+            </a:r>
+          </a:p>
+          <a:p>
+            <a:pPr lvl="1">
               <a:lnSpc>
                 <a:spcPct val="90000"/>
               </a:lnSpc>
             </a:pPr>
             <a:r>
               <a:rPr lang="en-US" dirty="0" smtClean="0"/>
-              <a:t>User-Level threads are small and fast, each thread is represented by a </a:t>
-            </a:r>
-            <a:r>
-              <a:rPr lang="en-US" dirty="0" err="1" smtClean="0"/>
-              <a:t>PC,register,stack</a:t>
-            </a:r>
-            <a:r>
-              <a:rPr lang="en-US" dirty="0" smtClean="0"/>
-              <a:t>, and small thread control block. </a:t>
-            </a:r>
-          </a:p>
-          <a:p>
-            <a:pPr>
+              <a:t>Simple Management:  This simply means that creating a thread, switching between threads and synchronization between threads can all be done without intervention of the kernel.</a:t>
+            </a:r>
+          </a:p>
+          <a:p>
+            <a:pPr lvl="1">
               <a:lnSpc>
                 <a:spcPct val="90000"/>
               </a:lnSpc>
             </a:pPr>
             <a:r>
               <a:rPr lang="en-US" dirty="0" smtClean="0"/>
-              <a:t>Creating a new thread, </a:t>
-            </a:r>
-            <a:r>
-              <a:rPr lang="en-US" dirty="0" err="1" smtClean="0"/>
-              <a:t>switiching</a:t>
-            </a:r>
-            <a:r>
-              <a:rPr lang="en-US" dirty="0" smtClean="0"/>
-              <a:t> between threads, and synchronizing threads are done via procedure call. </a:t>
-            </a:r>
-            <a:r>
-              <a:rPr lang="en-US" dirty="0" err="1" smtClean="0"/>
-              <a:t>i.e</a:t>
-            </a:r>
-            <a:r>
-              <a:rPr lang="en-US" dirty="0" smtClean="0"/>
-              <a:t> no kernel involvement. </a:t>
-            </a:r>
+              <a:t>Fast and Efficient:  Thread switching is not much more expensive than a procedure call.</a:t>
+            </a:r>
+          </a:p>
+          <a:p>
+            <a:endParaRPr lang="en-US" dirty="0"/>
           </a:p>
         </p:txBody>
       </p:sp>
     </p:spTree>
     <p:extLst>
       <p:ext uri="{BB962C8B-B14F-4D97-AF65-F5344CB8AC3E}">
-        <p14:creationId xmlns:p14="http://schemas.microsoft.com/office/powerpoint/2010/main" val="33993062"/>
+        <p14:creationId xmlns:p14="http://schemas.microsoft.com/office/powerpoint/2010/main" val="2025749679"/>
       </p:ext>
     </p:extLst>
   </p:cSld>
@@ -4934,7 +4973,7 @@
           <a:bodyPr/>
           <a:lstStyle/>
           <a:p>
-            <a:endParaRPr lang="en-US" dirty="0"/>
+            <a:endParaRPr lang="en-US"/>
           </a:p>
         </p:txBody>
       </p:sp>
@@ -4951,65 +4990,78 @@
         <p:spPr/>
         <p:txBody>
           <a:bodyPr>
-            <a:normAutofit fontScale="92500"/>
+            <a:normAutofit fontScale="70000" lnSpcReduction="20000"/>
           </a:bodyPr>
           <a:lstStyle/>
           <a:p>
-            <a:pPr>
-              <a:lnSpc>
-                <a:spcPct val="90000"/>
-              </a:lnSpc>
-            </a:pPr>
             <a:r>
               <a:rPr lang="en-US" dirty="0" smtClean="0"/>
-              <a:t>Advantages</a:t>
-            </a:r>
-          </a:p>
-          <a:p>
-            <a:pPr lvl="1">
-              <a:lnSpc>
-                <a:spcPct val="90000"/>
-              </a:lnSpc>
-            </a:pPr>
+              <a:t>Disadvantages</a:t>
+            </a:r>
+          </a:p>
+          <a:p>
+            <a:pPr lvl="1"/>
+            <a:endParaRPr lang="en-US" dirty="0" smtClean="0"/>
+          </a:p>
+          <a:p>
+            <a:pPr lvl="1"/>
             <a:r>
               <a:rPr lang="en-US" dirty="0" smtClean="0"/>
-              <a:t>If OS doesn’t support threads, now you can!</a:t>
-            </a:r>
-          </a:p>
-          <a:p>
-            <a:pPr lvl="1">
-              <a:lnSpc>
-                <a:spcPct val="90000"/>
-              </a:lnSpc>
-            </a:pPr>
+              <a:t>User-Level threads are invisible to the OS they are not well integrated with the OS. As a result, </a:t>
+            </a:r>
+            <a:r>
+              <a:rPr lang="en-US" dirty="0" err="1" smtClean="0"/>
+              <a:t>Os</a:t>
+            </a:r>
             <a:r>
               <a:rPr lang="en-US" dirty="0" smtClean="0"/>
-              <a:t>Simple Representation: Each thread is represented simply by a PC, registers, stack and a small control block, all stored in the user process address space.</a:t>
-            </a:r>
-          </a:p>
-          <a:p>
-            <a:pPr lvl="1">
-              <a:lnSpc>
-                <a:spcPct val="90000"/>
-              </a:lnSpc>
-            </a:pPr>
+              <a:t> can make poor decisions like scheduling a process with idle threads, blocking a process whose thread initiated an I/O even though the process has other threads that can run and </a:t>
+            </a:r>
+            <a:r>
+              <a:rPr lang="en-US" dirty="0" err="1" smtClean="0"/>
+              <a:t>unscheduling</a:t>
+            </a:r>
             <a:r>
               <a:rPr lang="en-US" dirty="0" smtClean="0"/>
-              <a:t>Simple Management:  This simply means that creating a thread, switching between threads and synchronization between threads can all be done without intervention of the kernel.</a:t>
-            </a:r>
-          </a:p>
-          <a:p>
-            <a:pPr lvl="1">
-              <a:lnSpc>
-                <a:spcPct val="90000"/>
-              </a:lnSpc>
-            </a:pPr>
+              <a:t> a process with a thread holding a lock. Solving this requires communication between between kernel and user-level thread manager.</a:t>
+            </a:r>
+          </a:p>
+          <a:p>
+            <a:pPr lvl="1"/>
             <a:r>
               <a:rPr lang="en-US" dirty="0" smtClean="0"/>
-              <a:t>Fast and Efficient:  Thread switching is not much more expensive than a procedure call.</a:t>
-            </a:r>
-          </a:p>
-          <a:p>
+              <a:t>There is a lack of coordination between threads and operating system kernel. Therefore, process as whole gets one time slice </a:t>
+            </a:r>
+            <a:r>
+              <a:rPr lang="en-US" dirty="0" err="1" smtClean="0"/>
+              <a:t>irrespect</a:t>
+            </a:r>
+            <a:r>
+              <a:rPr lang="en-US" dirty="0" smtClean="0"/>
+              <a:t> of whether process has one thread or 1000 threads within. It is up to each thread to relinquish control to other threads.</a:t>
+            </a:r>
+          </a:p>
+          <a:p>
+            <a:pPr lvl="1"/>
+            <a:r>
+              <a:rPr lang="en-US" dirty="0"/>
+              <a:t>E</a:t>
+            </a:r>
+            <a:r>
+              <a:rPr lang="en-US" dirty="0" smtClean="0"/>
+              <a:t>ntire process will blocked in the kernel, even if there are </a:t>
+            </a:r>
+            <a:r>
+              <a:rPr lang="en-US" dirty="0" err="1" smtClean="0"/>
+              <a:t>runable</a:t>
+            </a:r>
+            <a:r>
+              <a:rPr lang="en-US" dirty="0" smtClean="0"/>
+              <a:t> threads left in the processes. For example, if one thread causes a page fault, the process blocks.</a:t>
+            </a:r>
+          </a:p>
+          <a:p>
+            <a:pPr lvl="1"/>
             <a:endParaRPr lang="en-US" dirty="0"/>
           </a:p>
         </p:txBody>
@@ -5017,7 +5069,7 @@
     </p:spTree>
     <p:extLst>
       <p:ext uri="{BB962C8B-B14F-4D97-AF65-F5344CB8AC3E}">
-        <p14:creationId xmlns:p14="http://schemas.microsoft.com/office/powerpoint/2010/main" val="2025749679"/>
+        <p14:creationId xmlns:p14="http://schemas.microsoft.com/office/powerpoint/2010/main" val="3485523827"/>
       </p:ext>
     </p:extLst>
   </p:cSld>
@@ -5046,144 +5098,6 @@
       </p:grpSpPr>
       <p:sp>
         <p:nvSpPr>
-          <p:cNvPr id="2" name="Title 1"/>
-          <p:cNvSpPr>
-            <a:spLocks noGrp="1"/>
-          </p:cNvSpPr>
-          <p:nvPr>
-            <p:ph type="title"/>
-          </p:nvPr>
-        </p:nvSpPr>
-        <p:spPr/>
-        <p:txBody>
-          <a:bodyPr/>
-          <a:lstStyle/>
-          <a:p>
-            <a:endParaRPr lang="en-US"/>
-          </a:p>
-        </p:txBody>
-      </p:sp>
-      <p:sp>
-        <p:nvSpPr>
-          <p:cNvPr id="3" name="Content Placeholder 2"/>
-          <p:cNvSpPr>
-            <a:spLocks noGrp="1"/>
-          </p:cNvSpPr>
-          <p:nvPr>
-            <p:ph idx="1"/>
-          </p:nvPr>
-        </p:nvSpPr>
-        <p:spPr/>
-        <p:txBody>
-          <a:bodyPr>
-            <a:normAutofit fontScale="70000" lnSpcReduction="20000"/>
-          </a:bodyPr>
-          <a:lstStyle/>
-          <a:p>
-            <a:r>
-              <a:rPr lang="en-US" dirty="0" smtClean="0"/>
-              <a:t>Disadvantages</a:t>
-            </a:r>
-          </a:p>
-          <a:p>
-            <a:pPr lvl="1"/>
-            <a:endParaRPr lang="en-US" dirty="0" smtClean="0"/>
-          </a:p>
-          <a:p>
-            <a:pPr lvl="1"/>
-            <a:r>
-              <a:rPr lang="en-US" dirty="0" smtClean="0"/>
-              <a:t>User-Level threads are invisible to the OS they are not well integrated with the OS. As a result, </a:t>
-            </a:r>
-            <a:r>
-              <a:rPr lang="en-US" dirty="0" err="1" smtClean="0"/>
-              <a:t>Os</a:t>
-            </a:r>
-            <a:r>
-              <a:rPr lang="en-US" dirty="0" smtClean="0"/>
-              <a:t> can make poor decisions like scheduling a process with idle threads, blocking a process whose thread initiated an I/O even though the process has other threads that can run and </a:t>
-            </a:r>
-            <a:r>
-              <a:rPr lang="en-US" dirty="0" err="1" smtClean="0"/>
-              <a:t>unscheduling</a:t>
-            </a:r>
-            <a:r>
-              <a:rPr lang="en-US" dirty="0" smtClean="0"/>
-              <a:t> a process with a thread holding a lock. Solving this requires communication between between kernel and user-level thread manager.</a:t>
-            </a:r>
-          </a:p>
-          <a:p>
-            <a:pPr lvl="1"/>
-            <a:r>
-              <a:rPr lang="en-US" dirty="0" smtClean="0"/>
-              <a:t>There is a lack of coordination between threads and operating system kernel. Therefore, process as whole gets one time slice </a:t>
-            </a:r>
-            <a:r>
-              <a:rPr lang="en-US" dirty="0" err="1" smtClean="0"/>
-              <a:t>irrespect</a:t>
-            </a:r>
-            <a:r>
-              <a:rPr lang="en-US" dirty="0" smtClean="0"/>
-              <a:t> of whether process has one thread or 1000 threads within. It is up to each thread to relinquish control to other threads.</a:t>
-            </a:r>
-          </a:p>
-          <a:p>
-            <a:pPr lvl="1"/>
-            <a:r>
-              <a:rPr lang="en-US" dirty="0"/>
-              <a:t>E</a:t>
-            </a:r>
-            <a:r>
-              <a:rPr lang="en-US" dirty="0" smtClean="0"/>
-              <a:t>ntire process will blocked in the kernel, even if there are </a:t>
-            </a:r>
-            <a:r>
-              <a:rPr lang="en-US" dirty="0" err="1" smtClean="0"/>
-              <a:t>runable</a:t>
-            </a:r>
-            <a:r>
-              <a:rPr lang="en-US" dirty="0" smtClean="0"/>
-              <a:t> threads left in the processes. For example, if one thread causes a page fault, the process blocks.</a:t>
-            </a:r>
-          </a:p>
-          <a:p>
-            <a:pPr lvl="1"/>
-            <a:endParaRPr lang="en-US" dirty="0"/>
-          </a:p>
-        </p:txBody>
-      </p:sp>
-    </p:spTree>
-    <p:extLst>
-      <p:ext uri="{BB962C8B-B14F-4D97-AF65-F5344CB8AC3E}">
-        <p14:creationId xmlns:p14="http://schemas.microsoft.com/office/powerpoint/2010/main" val="3485523827"/>
-      </p:ext>
-    </p:extLst>
-  </p:cSld>
-  <p:clrMapOvr>
-    <a:masterClrMapping/>
-  </p:clrMapOvr>
-</p:sld>
-</file>
-
-<file path=ppt/slides/slide14.xml><?xml version="1.0" encoding="utf-8"?>
-<p:sld xmlns:a="http://schemas.openxmlformats.org/drawingml/2006/main" xmlns:r="http://schemas.openxmlformats.org/officeDocument/2006/relationships" xmlns:p="http://schemas.openxmlformats.org/presentationml/2006/main">
-  <p:cSld>
-    <p:spTree>
-      <p:nvGrpSpPr>
-        <p:cNvPr id="1" name=""/>
-        <p:cNvGrpSpPr/>
-        <p:nvPr/>
-      </p:nvGrpSpPr>
-      <p:grpSpPr>
-        <a:xfrm>
-          <a:off x="0" y="0"/>
-          <a:ext cx="0" cy="0"/>
-          <a:chOff x="0" y="0"/>
-          <a:chExt cx="0" cy="0"/>
-        </a:xfrm>
-      </p:grpSpPr>
-      <p:sp>
-        <p:nvSpPr>
           <p:cNvPr id="4" name="Footer Placeholder 3"/>
           <p:cNvSpPr>
             <a:spLocks noGrp="1"/>
@@ -5355,7 +5269,7 @@
 </p:sld>
 </file>
 
-<file path=ppt/slides/slide15.xml><?xml version="1.0" encoding="utf-8"?>
+<file path=ppt/slides/slide14.xml><?xml version="1.0" encoding="utf-8"?>
 <p:sld xmlns:a="http://schemas.openxmlformats.org/drawingml/2006/main" xmlns:r="http://schemas.openxmlformats.org/officeDocument/2006/relationships" xmlns:p="http://schemas.openxmlformats.org/presentationml/2006/main">
   <p:cSld>
     <p:spTree>
@@ -5409,6 +5323,93 @@
 </p:sld>
 </file>
 
+<file path=ppt/slides/slide15.xml><?xml version="1.0" encoding="utf-8"?>
+<p:sld xmlns:a="http://schemas.openxmlformats.org/drawingml/2006/main" xmlns:r="http://schemas.openxmlformats.org/officeDocument/2006/relationships" xmlns:p="http://schemas.openxmlformats.org/presentationml/2006/main">
+  <p:cSld>
+    <p:spTree>
+      <p:nvGrpSpPr>
+        <p:cNvPr id="1" name=""/>
+        <p:cNvGrpSpPr/>
+        <p:nvPr/>
+      </p:nvGrpSpPr>
+      <p:grpSpPr>
+        <a:xfrm>
+          <a:off x="0" y="0"/>
+          <a:ext cx="0" cy="0"/>
+          <a:chOff x="0" y="0"/>
+          <a:chExt cx="0" cy="0"/>
+        </a:xfrm>
+      </p:grpSpPr>
+      <p:sp>
+        <p:nvSpPr>
+          <p:cNvPr id="2" name="Title 1"/>
+          <p:cNvSpPr>
+            <a:spLocks noGrp="1"/>
+          </p:cNvSpPr>
+          <p:nvPr>
+            <p:ph type="title"/>
+          </p:nvPr>
+        </p:nvSpPr>
+        <p:spPr/>
+        <p:txBody>
+          <a:bodyPr/>
+          <a:lstStyle/>
+          <a:p>
+            <a:r>
+              <a:rPr lang="en-US" dirty="0" smtClean="0"/>
+              <a:t>Useful mainly because…</a:t>
+            </a:r>
+            <a:endParaRPr lang="en-US" dirty="0"/>
+          </a:p>
+        </p:txBody>
+      </p:sp>
+      <p:sp>
+        <p:nvSpPr>
+          <p:cNvPr id="3" name="Content Placeholder 2"/>
+          <p:cNvSpPr>
+            <a:spLocks noGrp="1"/>
+          </p:cNvSpPr>
+          <p:nvPr>
+            <p:ph idx="1"/>
+          </p:nvPr>
+        </p:nvSpPr>
+        <p:spPr/>
+        <p:txBody>
+          <a:bodyPr>
+            <a:normAutofit fontScale="92500" lnSpcReduction="20000"/>
+          </a:bodyPr>
+          <a:lstStyle/>
+          <a:p>
+            <a:r>
+              <a:rPr lang="en-US" dirty="0"/>
+              <a:t>Overlapping CPU work with I/O: For example, a program may have sections where it is performing a long I/O operation. While one thread is waiting for an I/O system call to complete, CPU intensive work can be performed by other threads.</a:t>
+            </a:r>
+          </a:p>
+          <a:p>
+            <a:r>
+              <a:rPr lang="en-US" dirty="0" smtClean="0"/>
+              <a:t>Asynchronous </a:t>
+            </a:r>
+            <a:r>
+              <a:rPr lang="en-US" dirty="0"/>
+              <a:t>event handling: tasks which service events of indeterminate frequency and duration can be interleaved. For example, a web server can both transfer data from previous requests and manage the arrival of new requests.</a:t>
+            </a:r>
+          </a:p>
+        </p:txBody>
+      </p:sp>
+    </p:spTree>
+    <p:extLst>
+      <p:ext uri="{BB962C8B-B14F-4D97-AF65-F5344CB8AC3E}">
+        <p14:creationId xmlns:p14="http://schemas.microsoft.com/office/powerpoint/2010/main" val="2096461006"/>
+      </p:ext>
+    </p:extLst>
+  </p:cSld>
+  <p:clrMapOvr>
+    <a:masterClrMapping/>
+  </p:clrMapOvr>
+</p:sld>
+</file>
+
 <file path=ppt/slides/slide16.xml><?xml version="1.0" encoding="utf-8"?>
 <p:sld xmlns:a="http://schemas.openxmlformats.org/drawingml/2006/main" xmlns:r="http://schemas.openxmlformats.org/officeDocument/2006/relationships" xmlns:p="http://schemas.openxmlformats.org/presentationml/2006/main">
   <p:cSld>
@@ -5442,8 +5443,8 @@
           <a:lstStyle/>
           <a:p>
             <a:r>
-              <a:rPr lang="en-US" dirty="0" smtClean="0"/>
-              <a:t>Useful mainly because…</a:t>
+              <a:rPr lang="en-US" dirty="0" err="1" smtClean="0"/>
+              <a:t>Pthread_Create</a:t>
             </a:r>
             <a:endParaRPr lang="en-US" dirty="0"/>
           </a:p>
@@ -5462,31 +5463,154 @@
         <p:spPr/>
         <p:txBody>
           <a:bodyPr>
-            <a:normAutofit fontScale="92500" lnSpcReduction="20000"/>
+            <a:normAutofit fontScale="70000" lnSpcReduction="20000"/>
           </a:bodyPr>
           <a:lstStyle/>
           <a:p>
             <a:r>
-              <a:rPr lang="en-US" dirty="0"/>
-              <a:t>Overlapping CPU work with I/O: For example, a program may have sections where it is performing a long I/O operation. While one thread is waiting for an I/O system call to complete, CPU intensive work can be performed by other threads.</a:t>
-            </a:r>
-          </a:p>
-          <a:p>
+              <a:rPr lang="en-US" dirty="0" err="1" smtClean="0"/>
+              <a:t>Pthreads</a:t>
+            </a:r>
             <a:r>
               <a:rPr lang="en-US" dirty="0" smtClean="0"/>
-              <a:t>Asynchronous </a:t>
-            </a:r>
-            <a:r>
-              <a:rPr lang="en-US" dirty="0"/>
-              <a:t>event handling: tasks which service events of indeterminate frequency and duration can be interleaved. For example, a web server can both transfer data from previous requests and manage the arrival of new requests.</a:t>
-            </a:r>
+              <a:t> are created using </a:t>
+            </a:r>
+            <a:r>
+              <a:rPr lang="en-US" dirty="0" err="1" smtClean="0"/>
+              <a:t>pthread_create</a:t>
+            </a:r>
+            <a:r>
+              <a:rPr lang="en-US" dirty="0" smtClean="0"/>
+              <a:t>().</a:t>
+            </a:r>
+          </a:p>
+          <a:p>
+            <a:r>
+              <a:rPr lang="en-US" dirty="0" smtClean="0"/>
+              <a:t>#include </a:t>
+            </a:r>
+          </a:p>
+          <a:p>
+            <a:r>
+              <a:rPr lang="en-US" dirty="0" smtClean="0"/>
+              <a:t> </a:t>
+            </a:r>
+          </a:p>
+          <a:p>
+            <a:r>
+              <a:rPr lang="en-US" dirty="0" err="1" smtClean="0"/>
+              <a:t>Int</a:t>
+            </a:r>
+            <a:r>
+              <a:rPr lang="en-US" dirty="0" smtClean="0"/>
+              <a:t> </a:t>
+            </a:r>
+            <a:r>
+              <a:rPr lang="en-US" dirty="0" err="1" smtClean="0"/>
+              <a:t>pthread_create</a:t>
+            </a:r>
+            <a:r>
+              <a:rPr lang="en-US" dirty="0" smtClean="0"/>
+              <a:t> (</a:t>
+            </a:r>
+            <a:r>
+              <a:rPr lang="en-US" dirty="0" err="1" smtClean="0"/>
+              <a:t>pthread_t</a:t>
+            </a:r>
+            <a:r>
+              <a:rPr lang="en-US" dirty="0" smtClean="0"/>
+              <a:t> *</a:t>
+            </a:r>
+            <a:r>
+              <a:rPr lang="en-US" dirty="0" err="1" smtClean="0"/>
+              <a:t>thread_id</a:t>
+            </a:r>
+            <a:r>
+              <a:rPr lang="en-US" dirty="0" smtClean="0"/>
+              <a:t>, </a:t>
+            </a:r>
+            <a:r>
+              <a:rPr lang="en-US" dirty="0" err="1" smtClean="0"/>
+              <a:t>const</a:t>
+            </a:r>
+            <a:r>
+              <a:rPr lang="en-US" dirty="0" smtClean="0"/>
+              <a:t> </a:t>
+            </a:r>
+            <a:r>
+              <a:rPr lang="en-US" dirty="0" err="1" smtClean="0"/>
+              <a:t>pthread_attr_t</a:t>
+            </a:r>
+            <a:r>
+              <a:rPr lang="en-US" dirty="0" smtClean="0"/>
+              <a:t> *attributes, void *(*</a:t>
+            </a:r>
+            <a:r>
+              <a:rPr lang="en-US" dirty="0" err="1" smtClean="0"/>
+              <a:t>thread_function</a:t>
+            </a:r>
+            <a:r>
+              <a:rPr lang="en-US" dirty="0" smtClean="0"/>
+              <a:t>)(void *), void *arguments);</a:t>
+            </a:r>
+          </a:p>
+          <a:p>
+            <a:r>
+              <a:rPr lang="en-US" dirty="0" smtClean="0"/>
+              <a:t>Arguments = arguments passed to function</a:t>
+            </a:r>
+          </a:p>
+          <a:p>
+            <a:r>
+              <a:rPr lang="en-US" dirty="0" err="1" smtClean="0"/>
+              <a:t>Thread_function</a:t>
+            </a:r>
+            <a:r>
+              <a:rPr lang="en-US" dirty="0" smtClean="0"/>
+              <a:t> = function</a:t>
+            </a:r>
+          </a:p>
+          <a:p>
+            <a:r>
+              <a:rPr lang="en-US" dirty="0" smtClean="0"/>
+              <a:t>Attributes allows you to fine tune various parameters about created thread</a:t>
+            </a:r>
+          </a:p>
+          <a:p>
+            <a:r>
+              <a:rPr lang="en-US" dirty="0" err="1" smtClean="0"/>
+              <a:t>Thread_id</a:t>
+            </a:r>
+            <a:r>
+              <a:rPr lang="en-US" dirty="0" smtClean="0"/>
+              <a:t> is handle for new thread</a:t>
+            </a:r>
+          </a:p>
+          <a:p>
+            <a:r>
+              <a:rPr lang="en-US" dirty="0" err="1" smtClean="0"/>
+              <a:t>Pthreads</a:t>
+            </a:r>
+            <a:r>
+              <a:rPr lang="en-US" dirty="0" smtClean="0"/>
+              <a:t> terminate when the function returns, or the thread can call </a:t>
+            </a:r>
+            <a:r>
+              <a:rPr lang="en-US" dirty="0" err="1" smtClean="0"/>
+              <a:t>pthread_exit</a:t>
+            </a:r>
+            <a:r>
+              <a:rPr lang="en-US" dirty="0" smtClean="0"/>
+              <a:t>() which terminates the calling thread explicitly.</a:t>
+            </a:r>
+            <a:endParaRPr lang="en-US" dirty="0"/>
           </a:p>
         </p:txBody>
       </p:sp>
     </p:spTree>
     <p:extLst>
       <p:ext uri="{BB962C8B-B14F-4D97-AF65-F5344CB8AC3E}">
-        <p14:creationId xmlns:p14="http://schemas.microsoft.com/office/powerpoint/2010/main" val="2096461006"/>
+        <p14:creationId xmlns:p14="http://schemas.microsoft.com/office/powerpoint/2010/main" val="524385592"/>
       </p:ext>
     </p:extLst>
   </p:cSld>
@@ -5530,7 +5654,7 @@
           <a:p>
             <a:r>
               <a:rPr lang="en-US" dirty="0" err="1" smtClean="0"/>
-              <a:t>Pthread_Create</a:t>
+              <a:t>Pthread_Exit</a:t>
             </a:r>
             <a:endParaRPr lang="en-US" dirty="0"/>
           </a:p>
@@ -5548,146 +5672,33 @@
         </p:nvSpPr>
         <p:spPr/>
         <p:txBody>
-          <a:bodyPr>
-            <a:normAutofit fontScale="70000" lnSpcReduction="20000"/>
-          </a:bodyPr>
+          <a:bodyPr/>
           <a:lstStyle/>
           <a:p>
+            <a:endParaRPr lang="en-US" dirty="0" smtClean="0"/>
+          </a:p>
+          <a:p>
             <a:r>
               <a:rPr lang="en-US" dirty="0" err="1" smtClean="0"/>
-              <a:t>Pthreads</a:t>
-            </a:r>
-            <a:r>
-              <a:rPr lang="en-US" dirty="0" smtClean="0"/>
-              <a:t> are created using </a:t>
-            </a:r>
-            <a:r>
-              <a:rPr lang="en-US" dirty="0" err="1" smtClean="0"/>
-              <a:t>pthread_create</a:t>
-            </a:r>
-            <a:r>
-              <a:rPr lang="en-US" dirty="0" smtClean="0"/>
-              <a:t>().</a:t>
-            </a:r>
-          </a:p>
-          <a:p>
-            <a:r>
-              <a:rPr lang="en-US" dirty="0" smtClean="0"/>
-              <a:t>#include </a:t>
-            </a:r>
-          </a:p>
-          <a:p>
+              <a:t>Int</a:t>
+            </a:r>
             <a:r>
               <a:rPr lang="en-US" dirty="0" smtClean="0"/>
               <a:t> </a:t>
             </a:r>
-          </a:p>
-          <a:p>
-            <a:r>
-              <a:rPr lang="en-US" dirty="0" err="1" smtClean="0"/>
-              <a:t>Int</a:t>
-            </a:r>
-            <a:r>
-              <a:rPr lang="en-US" dirty="0" smtClean="0"/>
-              <a:t> </a:t>
-            </a:r>
-            <a:r>
-              <a:rPr lang="en-US" dirty="0" err="1" smtClean="0"/>
-              <a:t>pthread_create</a:t>
-            </a:r>
-            <a:r>
-              <a:rPr lang="en-US" dirty="0" smtClean="0"/>
-              <a:t> (</a:t>
-            </a:r>
-            <a:r>
-              <a:rPr lang="en-US" dirty="0" err="1" smtClean="0"/>
-              <a:t>pthread_t</a:t>
-            </a:r>
-            <a:r>
-              <a:rPr lang="en-US" dirty="0" smtClean="0"/>
-              <a:t> *</a:t>
-            </a:r>
-            <a:r>
-              <a:rPr lang="en-US" dirty="0" err="1" smtClean="0"/>
-              <a:t>thread_id</a:t>
-            </a:r>
-            <a:r>
-              <a:rPr lang="en-US" dirty="0" smtClean="0"/>
-              <a:t>, </a:t>
-            </a:r>
-            <a:r>
-              <a:rPr lang="en-US" dirty="0" err="1" smtClean="0"/>
-              <a:t>const</a:t>
-            </a:r>
-            <a:r>
-              <a:rPr lang="en-US" dirty="0" smtClean="0"/>
-              <a:t> </a:t>
-            </a:r>
-            <a:r>
-              <a:rPr lang="en-US" dirty="0" err="1" smtClean="0"/>
-              <a:t>pthread_attr_t</a:t>
-            </a:r>
-            <a:r>
-              <a:rPr lang="en-US" dirty="0" smtClean="0"/>
-              <a:t> *attributes, void *(*</a:t>
-            </a:r>
-            <a:r>
-              <a:rPr lang="en-US" dirty="0" err="1" smtClean="0"/>
-              <a:t>thread_function</a:t>
-            </a:r>
-            <a:r>
-              <a:rPr lang="en-US" dirty="0" smtClean="0"/>
-              <a:t>)(void *), void *arguments);</a:t>
-            </a:r>
-          </a:p>
-          <a:p>
-            <a:r>
-              <a:rPr lang="en-US" dirty="0" smtClean="0"/>
-              <a:t>Arguments = arguments passed to function</a:t>
-            </a:r>
-          </a:p>
-          <a:p>
-            <a:r>
-              <a:rPr lang="en-US" dirty="0" err="1" smtClean="0"/>
-              <a:t>Thread_function</a:t>
-            </a:r>
-            <a:r>
-              <a:rPr lang="en-US" dirty="0" smtClean="0"/>
-              <a:t> = function</a:t>
-            </a:r>
-          </a:p>
-          <a:p>
-            <a:r>
-              <a:rPr lang="en-US" dirty="0" smtClean="0"/>
-              <a:t>Attributes allows you to fine tune various parameters about created thread</a:t>
-            </a:r>
-          </a:p>
-          <a:p>
-            <a:r>
-              <a:rPr lang="en-US" dirty="0" err="1" smtClean="0"/>
-              <a:t>Thread_id</a:t>
-            </a:r>
-            <a:r>
-              <a:rPr lang="en-US" dirty="0" smtClean="0"/>
-              <a:t> is handle for new thread</a:t>
-            </a:r>
-          </a:p>
-          <a:p>
-            <a:r>
-              <a:rPr lang="en-US" dirty="0" err="1" smtClean="0"/>
-              <a:t>Pthreads</a:t>
-            </a:r>
-            <a:r>
-              <a:rPr lang="en-US" dirty="0" smtClean="0"/>
-              <a:t> terminate when the function returns, or the thread can call </a:t>
-            </a:r>
             <a:r>
               <a:rPr lang="en-US" dirty="0" err="1" smtClean="0"/>
               <a:t>pthread_exit</a:t>
             </a:r>
             <a:r>
               <a:rPr lang="en-US" dirty="0" smtClean="0"/>
-              <a:t>() which terminates the calling thread explicitly.</a:t>
+              <a:t> (void *status);</a:t>
+            </a:r>
+          </a:p>
+          <a:p>
+            <a:r>
+              <a:rPr lang="en-US" dirty="0" smtClean="0"/>
+              <a:t>status is the return value of the thread.</a:t>
             </a:r>
             <a:endParaRPr lang="en-US" dirty="0"/>
           </a:p>
@@ -5696,7 +5707,7 @@
     </p:spTree>
     <p:extLst>
       <p:ext uri="{BB962C8B-B14F-4D97-AF65-F5344CB8AC3E}">
-        <p14:creationId xmlns:p14="http://schemas.microsoft.com/office/powerpoint/2010/main" val="524385592"/>
+        <p14:creationId xmlns:p14="http://schemas.microsoft.com/office/powerpoint/2010/main" val="3704351370"/>
       </p:ext>
     </p:extLst>
   </p:cSld>
@@ -5735,12 +5746,14 @@
         </p:nvSpPr>
         <p:spPr/>
         <p:txBody>
-          <a:bodyPr/>
+          <a:bodyPr>
+            <a:normAutofit/>
+          </a:bodyPr>
           <a:lstStyle/>
           <a:p>
             <a:r>
               <a:rPr lang="en-US" dirty="0" err="1" smtClean="0"/>
-              <a:t>Pthread_Exit</a:t>
+              <a:t>Pthread_Join</a:t>
             </a:r>
             <a:endParaRPr lang="en-US" dirty="0"/>
           </a:p>
@@ -5761,9 +5774,6 @@
           <a:bodyPr/>
           <a:lstStyle/>
           <a:p>
-            <a:endParaRPr lang="en-US" dirty="0" smtClean="0"/>
-          </a:p>
-          <a:p>
             <a:r>
               <a:rPr lang="en-US" dirty="0" err="1" smtClean="0"/>
               <a:t>Int</a:t>
@@ -5774,18 +5784,50 @@
             </a:r>
             <a:r>
               <a:rPr lang="en-US" dirty="0" err="1" smtClean="0"/>
-              <a:t>pthread_exit</a:t>
+              <a:t>pthread_join</a:t>
             </a:r>
             <a:r>
               <a:rPr lang="en-US" dirty="0" smtClean="0"/>
-              <a:t> (void *status);</a:t>
-            </a:r>
-          </a:p>
-          <a:p>
+              <a:t> (</a:t>
+            </a:r>
+            <a:r>
+              <a:rPr lang="en-US" dirty="0" err="1" smtClean="0"/>
+              <a:t>pthread_t</a:t>
+            </a:r>
             <a:r>
               <a:rPr lang="en-US" dirty="0" smtClean="0"/>
-              <a:t>status is the return value of the thread.</a:t>
-            </a:r>
+              <a:t> thread, void **</a:t>
+            </a:r>
+            <a:r>
+              <a:rPr lang="en-US" dirty="0" err="1" smtClean="0"/>
+              <a:t>status_ptr</a:t>
+            </a:r>
+            <a:r>
+              <a:rPr lang="en-US" dirty="0" smtClean="0"/>
+              <a:t>);</a:t>
+            </a:r>
+          </a:p>
+          <a:p>
+            <a:r>
+              <a:rPr lang="en-US" dirty="0" smtClean="0"/>
+              <a:t>The exit status is returned in </a:t>
+            </a:r>
+            <a:r>
+              <a:rPr lang="en-US" dirty="0" err="1" smtClean="0"/>
+              <a:t>status_ptr</a:t>
+            </a:r>
+            <a:r>
+              <a:rPr lang="en-US" dirty="0" smtClean="0"/>
+              <a:t>.</a:t>
+            </a:r>
+          </a:p>
+          <a:p>
+            <a:r>
+              <a:rPr lang="en-US" dirty="0" smtClean="0"/>
+              <a:t>Calling thread waits for thread parameter to finish execution, then continues its work</a:t>
+            </a:r>
+          </a:p>
+          <a:p>
             <a:endParaRPr lang="en-US" dirty="0"/>
           </a:p>
         </p:txBody>
@@ -5793,7 +5835,7 @@
     </p:spTree>
     <p:extLst>
       <p:ext uri="{BB962C8B-B14F-4D97-AF65-F5344CB8AC3E}">
-        <p14:creationId xmlns:p14="http://schemas.microsoft.com/office/powerpoint/2010/main" val="3704351370"/>
+        <p14:creationId xmlns:p14="http://schemas.microsoft.com/office/powerpoint/2010/main" val="2617668416"/>
       </p:ext>
     </p:extLst>
   </p:cSld>
@@ -5832,16 +5874,10 @@
         </p:nvSpPr>
         <p:spPr/>
         <p:txBody>
-          <a:bodyPr>
-            <a:normAutofit/>
-          </a:bodyPr>
+          <a:bodyPr/>
           <a:lstStyle/>
           <a:p>
-            <a:r>
-              <a:rPr lang="en-US" dirty="0" err="1" smtClean="0"/>
-              <a:t>Pthread_Join</a:t>
-            </a:r>
-            <a:endParaRPr lang="en-US" dirty="0"/>
+            <a:endParaRPr lang="en-US"/>
           </a:p>
         </p:txBody>
       </p:sp>
@@ -5862,55 +5898,14 @@
           <a:p>
             <a:r>
               <a:rPr lang="en-US" dirty="0" err="1" smtClean="0"/>
-              <a:t>Int</a:t>
-            </a:r>
+              <a:t>Create_join_ex</a:t>
+            </a:r>
+            <a:endParaRPr lang="en-US" dirty="0" smtClean="0"/>
+          </a:p>
+          <a:p>
             <a:r>
               <a:rPr lang="en-US" dirty="0" smtClean="0"/>
-              <a:t> </a:t>
-            </a:r>
-            <a:r>
-              <a:rPr lang="en-US" dirty="0" err="1" smtClean="0"/>
-              <a:t>pthread_join</a:t>
-            </a:r>
-            <a:r>
-              <a:rPr lang="en-US" dirty="0" smtClean="0"/>
-              <a:t> (</a:t>
-            </a:r>
-            <a:r>
-              <a:rPr lang="en-US" dirty="0" err="1" smtClean="0"/>
-              <a:t>pthread_t</a:t>
-            </a:r>
-            <a:r>
-              <a:rPr lang="en-US" dirty="0" smtClean="0"/>
-              <a:t> thread, void **</a:t>
-            </a:r>
-            <a:r>
-              <a:rPr lang="en-US" dirty="0" err="1" smtClean="0"/>
-              <a:t>status_ptr</a:t>
-            </a:r>
-            <a:r>
-              <a:rPr lang="en-US" dirty="0" smtClean="0"/>
-              <a:t>);</a:t>
-            </a:r>
-          </a:p>
-          <a:p>
-            <a:r>
-              <a:rPr lang="en-US" dirty="0" smtClean="0"/>
-              <a:t>The exit status is returned in </a:t>
-            </a:r>
-            <a:r>
-              <a:rPr lang="en-US" dirty="0" err="1" smtClean="0"/>
-              <a:t>status_ptr</a:t>
-            </a:r>
-            <a:r>
-              <a:rPr lang="en-US" dirty="0" smtClean="0"/>
-              <a:t>.</a:t>
-            </a:r>
-          </a:p>
-          <a:p>
-            <a:r>
-              <a:rPr lang="en-US" dirty="0" smtClean="0"/>
-              <a:t>Calling thread waits for thread parameter to finish execution, then continues its work</a:t>
+              <a:t>Join_ex2</a:t>
             </a:r>
           </a:p>
           <a:p>
@@ -5921,7 +5916,7 @@
     </p:spTree>
     <p:extLst>
       <p:ext uri="{BB962C8B-B14F-4D97-AF65-F5344CB8AC3E}">
-        <p14:creationId xmlns:p14="http://schemas.microsoft.com/office/powerpoint/2010/main" val="2617668416"/>
+        <p14:creationId xmlns:p14="http://schemas.microsoft.com/office/powerpoint/2010/main" val="2733931832"/>
       </p:ext>
     </p:extLst>
   </p:cSld>
@@ -21749,6 +21744,106 @@
 </p:sld>
 </file>
 
+<file path=ppt/slides/slide49.xml><?xml version="1.0" encoding="utf-8"?>
+<p:sld xmlns:a="http://schemas.openxmlformats.org/drawingml/2006/main" xmlns:r="http://schemas.openxmlformats.org/officeDocument/2006/relationships" xmlns:p="http://schemas.openxmlformats.org/presentationml/2006/main">
+  <p:cSld>
+    <p:spTree>
+      <p:nvGrpSpPr>
+        <p:cNvPr id="1" name=""/>
+        <p:cNvGrpSpPr/>
+        <p:nvPr/>
+      </p:nvGrpSpPr>
+      <p:grpSpPr>
+        <a:xfrm>
+          <a:off x="0" y="0"/>
+          <a:ext cx="0" cy="0"/>
+          <a:chOff x="0" y="0"/>
+          <a:chExt cx="0" cy="0"/>
+        </a:xfrm>
+      </p:grpSpPr>
+      <p:sp>
+        <p:nvSpPr>
+          <p:cNvPr id="2" name="Title 1"/>
+          <p:cNvSpPr>
+            <a:spLocks noGrp="1"/>
+          </p:cNvSpPr>
+          <p:nvPr>
+            <p:ph type="title"/>
+          </p:nvPr>
+        </p:nvSpPr>
+        <p:spPr/>
+        <p:txBody>
+          <a:bodyPr/>
+          <a:lstStyle/>
+          <a:p>
+            <a:r>
+              <a:rPr lang="en-US" dirty="0" smtClean="0"/>
+              <a:t>Socket Example	</a:t>
+            </a:r>
+            <a:endParaRPr lang="en-US" dirty="0"/>
+          </a:p>
+        </p:txBody>
+      </p:sp>
+      <p:sp>
+        <p:nvSpPr>
+          <p:cNvPr id="3" name="Content Placeholder 2"/>
+          <p:cNvSpPr>
+            <a:spLocks noGrp="1"/>
+          </p:cNvSpPr>
+          <p:nvPr>
+            <p:ph idx="1"/>
+          </p:nvPr>
+        </p:nvSpPr>
+        <p:spPr/>
+        <p:txBody>
+          <a:bodyPr/>
+          <a:lstStyle/>
+          <a:p>
+            <a:r>
+              <a:rPr lang="en-US" dirty="0" smtClean="0"/>
+              <a:t>Echo</a:t>
+            </a:r>
+          </a:p>
+          <a:p>
+            <a:r>
+              <a:rPr lang="en-US" dirty="0" err="1" smtClean="0"/>
+              <a:t>Eserver.c</a:t>
+            </a:r>
+            <a:endParaRPr lang="en-US" dirty="0" smtClean="0"/>
+          </a:p>
+          <a:p>
+            <a:r>
+              <a:rPr lang="en-US" dirty="0" err="1" smtClean="0"/>
+              <a:t>Eclient.c</a:t>
+            </a:r>
+            <a:endParaRPr lang="en-US" dirty="0" smtClean="0"/>
+          </a:p>
+          <a:p>
+            <a:r>
+              <a:rPr lang="en-US" dirty="0" smtClean="0"/>
+              <a:t>Socket pairs in </a:t>
+            </a:r>
+            <a:r>
+              <a:rPr lang="en-US" dirty="0" err="1" smtClean="0"/>
+              <a:t>spair_ex.c</a:t>
+            </a:r>
+            <a:endParaRPr lang="en-US" dirty="0"/>
+          </a:p>
+        </p:txBody>
+      </p:sp>
+    </p:spTree>
+    <p:extLst>
+      <p:ext uri="{BB962C8B-B14F-4D97-AF65-F5344CB8AC3E}">
+        <p14:creationId xmlns:p14="http://schemas.microsoft.com/office/powerpoint/2010/main" val="1657726727"/>
+      </p:ext>
+    </p:extLst>
+  </p:cSld>
+  <p:clrMapOvr>
+    <a:masterClrMapping/>
+  </p:clrMapOvr>
+</p:sld>
+</file>
+
 <file path=ppt/slides/slide5.xml><?xml version="1.0" encoding="utf-8"?>
 <p:sld xmlns:a="http://schemas.openxmlformats.org/drawingml/2006/main" xmlns:r="http://schemas.openxmlformats.org/officeDocument/2006/relationships" xmlns:p="http://schemas.openxmlformats.org/presentationml/2006/main">
   <p:cSld>
@@ -21952,7 +22047,7 @@
       </p:sp>
       <p:sp>
         <p:nvSpPr>
-          <p:cNvPr id="9218" name="Rectangle 2"/>
+          <p:cNvPr id="11266" name="Rectangle 2"/>
           <p:cNvSpPr>
             <a:spLocks noGrp="1" noChangeArrowheads="1"/>
           </p:cNvSpPr>
@@ -21962,21 +22057,19 @@
         </p:nvSpPr>
         <p:spPr/>
         <p:txBody>
-          <a:bodyPr>
-            <a:normAutofit fontScale="90000"/>
-          </a:bodyPr>
+          <a:bodyPr/>
           <a:lstStyle/>
           <a:p>
             <a:r>
-              <a:rPr lang="en-US" dirty="0"/>
-              <a:t>Multi-threaded Clients Example : Web Browsers</a:t>
-            </a:r>
-          </a:p>
-        </p:txBody>
-      </p:sp>
-      <p:sp>
-        <p:nvSpPr>
-          <p:cNvPr id="9219" name="Rectangle 3"/>
+              <a:rPr lang="en-US"/>
+              <a:t>Thread Management</a:t>
+            </a:r>
+          </a:p>
+        </p:txBody>
+      </p:sp>
+      <p:sp>
+        <p:nvSpPr>
+          <p:cNvPr id="11267" name="Rectangle 3"/>
           <p:cNvSpPr>
             <a:spLocks noGrp="1" noChangeArrowheads="1"/>
           </p:cNvSpPr>
@@ -21986,60 +22079,19 @@
         </p:nvSpPr>
         <p:spPr/>
         <p:txBody>
-          <a:bodyPr>
-            <a:normAutofit fontScale="85000" lnSpcReduction="10000"/>
-          </a:bodyPr>
+          <a:bodyPr/>
           <a:lstStyle/>
           <a:p>
+            <a:pPr marL="0" indent="0">
+              <a:buNone/>
+            </a:pPr>
             <a:r>
               <a:rPr lang="en-US" dirty="0" smtClean="0"/>
-              <a:t>Web browsers </a:t>
+              <a:t>Kernel </a:t>
             </a:r>
             <a:r>
               <a:rPr lang="en-US" dirty="0"/>
-              <a:t>can display data before entire document is downloaded: performs multiple simultaneous tasks</a:t>
-            </a:r>
-          </a:p>
-          <a:p>
-            <a:pPr lvl="1"/>
-            <a:r>
-              <a:rPr lang="en-US" dirty="0"/>
-              <a:t>Fetch main HTML page, activate separate threads for other parts</a:t>
-            </a:r>
-          </a:p>
-          <a:p>
-            <a:pPr lvl="1"/>
-            <a:r>
-              <a:rPr lang="en-US" dirty="0"/>
-              <a:t>Each thread sets up a separate connection with the server </a:t>
-            </a:r>
-          </a:p>
-          <a:p>
-            <a:pPr lvl="2"/>
-            <a:r>
-              <a:rPr lang="en-US" dirty="0"/>
-              <a:t>Uses blocking calls</a:t>
-            </a:r>
-          </a:p>
-          <a:p>
-            <a:pPr lvl="1"/>
-            <a:r>
-              <a:rPr lang="en-US" dirty="0"/>
-              <a:t>Each part (gif image) fetched separately and in parallel</a:t>
-            </a:r>
-          </a:p>
-          <a:p>
-            <a:pPr lvl="1"/>
-            <a:r>
-              <a:rPr lang="en-US" dirty="0"/>
-              <a:t>Advantage: connections can be setup to different sources</a:t>
-            </a:r>
-          </a:p>
-          <a:p>
-            <a:pPr lvl="2"/>
-            <a:r>
-              <a:rPr lang="en-US" dirty="0"/>
-              <a:t>Ad server, image server, web server…</a:t>
+              <a:t>versus user-level threads</a:t>
             </a:r>
           </a:p>
         </p:txBody>
@@ -22047,7 +22099,7 @@
     </p:spTree>
     <p:extLst>
       <p:ext uri="{BB962C8B-B14F-4D97-AF65-F5344CB8AC3E}">
-        <p14:creationId xmlns:p14="http://schemas.microsoft.com/office/powerpoint/2010/main" val="2684894902"/>
+        <p14:creationId xmlns:p14="http://schemas.microsoft.com/office/powerpoint/2010/main" val="853471874"/>
       </p:ext>
     </p:extLst>
   </p:cSld>
@@ -22098,7 +22150,7 @@
       </p:sp>
       <p:sp>
         <p:nvSpPr>
-          <p:cNvPr id="11266" name="Rectangle 2"/>
+          <p:cNvPr id="12290" name="Rectangle 2"/>
           <p:cNvSpPr>
             <a:spLocks noGrp="1" noChangeArrowheads="1"/>
           </p:cNvSpPr>
@@ -22112,15 +22164,19 @@
           <a:lstStyle/>
           <a:p>
             <a:r>
-              <a:rPr lang="en-US"/>
-              <a:t>Thread Management</a:t>
-            </a:r>
-          </a:p>
-        </p:txBody>
-      </p:sp>
-      <p:sp>
-        <p:nvSpPr>
-          <p:cNvPr id="11267" name="Rectangle 3"/>
+              <a:rPr lang="en-US" dirty="0" smtClean="0"/>
+              <a:t>kernel </a:t>
+            </a:r>
+            <a:r>
+              <a:rPr lang="en-US" dirty="0"/>
+              <a:t>threads</a:t>
+            </a:r>
+          </a:p>
+        </p:txBody>
+      </p:sp>
+      <p:sp>
+        <p:nvSpPr>
+          <p:cNvPr id="12291" name="Rectangle 3"/>
           <p:cNvSpPr>
             <a:spLocks noGrp="1" noChangeArrowheads="1"/>
           </p:cNvSpPr>
@@ -22133,24 +22189,27 @@
           <a:bodyPr/>
           <a:lstStyle/>
           <a:p>
-            <a:pPr marL="0" indent="0">
-              <a:buNone/>
-            </a:pPr>
+            <a:endParaRPr lang="en-US" dirty="0" smtClean="0"/>
+          </a:p>
+          <a:p>
             <a:r>
               <a:rPr lang="en-US" dirty="0" smtClean="0"/>
-              <a:t>Kernel </a:t>
-            </a:r>
-            <a:r>
-              <a:rPr lang="en-US" dirty="0"/>
-              <a:t>versus user-level threads</a:t>
-            </a:r>
+              <a:t>Instead of thread table in each process, the kernel has a thread table that keeps track of all threads in the system. </a:t>
+            </a:r>
+          </a:p>
+          <a:p>
+            <a:r>
+              <a:rPr lang="en-US" dirty="0" smtClean="0"/>
+              <a:t>In addition, the kernel also maintains the traditional process table to keep track of processes. Operating Systems kernel provides system call to create and manage threads.</a:t>
+            </a:r>
+            <a:endParaRPr lang="en-US" dirty="0"/>
           </a:p>
         </p:txBody>
       </p:sp>
     </p:spTree>
     <p:extLst>
       <p:ext uri="{BB962C8B-B14F-4D97-AF65-F5344CB8AC3E}">
-        <p14:creationId xmlns:p14="http://schemas.microsoft.com/office/powerpoint/2010/main" val="853471874"/>
+        <p14:creationId xmlns:p14="http://schemas.microsoft.com/office/powerpoint/2010/main" val="80851705"/>
       </p:ext>
     </p:extLst>
   </p:cSld>
@@ -22179,31 +22238,9 @@
       </p:grpSpPr>
       <p:sp>
         <p:nvSpPr>
-          <p:cNvPr id="4" name="Footer Placeholder 3"/>
+          <p:cNvPr id="2" name="Title 1"/>
           <p:cNvSpPr>
             <a:spLocks noGrp="1"/>
-          </p:cNvSpPr>
-          <p:nvPr>
-            <p:ph type="ftr" sz="quarter" idx="10"/>
-          </p:nvPr>
-        </p:nvSpPr>
-        <p:spPr/>
-        <p:txBody>
-          <a:bodyPr/>
-          <a:lstStyle/>
-          <a:p>
-            <a:r>
-              <a:rPr lang="en-US"/>
-              <a:t>CS677: Distributed OS</a:t>
-            </a:r>
-          </a:p>
-        </p:txBody>
-      </p:sp>
-      <p:sp>
-        <p:nvSpPr>
-          <p:cNvPr id="12290" name="Rectangle 2"/>
-          <p:cNvSpPr>
-            <a:spLocks noGrp="1" noChangeArrowheads="1"/>
           </p:cNvSpPr>
           <p:nvPr>
             <p:ph type="title"/>
@@ -22216,42 +22253,44 @@
           <a:p>
             <a:r>
               <a:rPr lang="en-US" dirty="0" smtClean="0"/>
-              <a:t>kernel </a:t>
-            </a:r>
-            <a:r>
-              <a:rPr lang="en-US" dirty="0"/>
-              <a:t>threads</a:t>
-            </a:r>
-          </a:p>
-        </p:txBody>
-      </p:sp>
-      <p:sp>
-        <p:nvSpPr>
-          <p:cNvPr id="12291" name="Rectangle 3"/>
-          <p:cNvSpPr>
-            <a:spLocks noGrp="1" noChangeArrowheads="1"/>
+              <a:t>Advantages</a:t>
+            </a:r>
+            <a:endParaRPr lang="en-US" dirty="0"/>
+          </a:p>
+        </p:txBody>
+      </p:sp>
+      <p:sp>
+        <p:nvSpPr>
+          <p:cNvPr id="3" name="Content Placeholder 2"/>
+          <p:cNvSpPr>
+            <a:spLocks noGrp="1"/>
           </p:cNvSpPr>
           <p:nvPr>
-            <p:ph type="body" idx="1"/>
+            <p:ph idx="1"/>
           </p:nvPr>
         </p:nvSpPr>
         <p:spPr/>
         <p:txBody>
-          <a:bodyPr/>
+          <a:bodyPr>
+            <a:normAutofit/>
+          </a:bodyPr>
           <a:lstStyle/>
           <a:p>
+            <a:pPr marL="0" indent="0">
+              <a:buNone/>
+            </a:pPr>
             <a:endParaRPr lang="en-US" dirty="0" smtClean="0"/>
           </a:p>
           <a:p>
             <a:r>
               <a:rPr lang="en-US" dirty="0" smtClean="0"/>
-              <a:t>Instead of thread table in each process, the kernel has a thread table that keeps track of all threads in the system. </a:t>
+              <a:t>Because kernel has full knowledge of all threads, Scheduler may decide to give more time to a process having large number of threads than process having small number of threads.</a:t>
             </a:r>
           </a:p>
           <a:p>
             <a:r>
               <a:rPr lang="en-US" dirty="0" smtClean="0"/>
-              <a:t>In addition, the kernel also maintains the traditional process table to keep track of processes. Operating Systems kernel provides system call to create and manage threads.</a:t>
+              <a:t>Kernel-level threads are especially good for applications that frequently block.</a:t>
             </a:r>
             <a:endParaRPr lang="en-US" dirty="0"/>
           </a:p>
@@ -22260,7 +22299,7 @@
     </p:spTree>
     <p:extLst>
       <p:ext uri="{BB962C8B-B14F-4D97-AF65-F5344CB8AC3E}">
-        <p14:creationId xmlns:p14="http://schemas.microsoft.com/office/powerpoint/2010/main" val="80851705"/>
+        <p14:creationId xmlns:p14="http://schemas.microsoft.com/office/powerpoint/2010/main" val="3792604551"/>
       </p:ext>
     </p:extLst>
   </p:cSld>
@@ -22304,7 +22343,7 @@
           <a:p>
             <a:r>
               <a:rPr lang="en-US" dirty="0" smtClean="0"/>
-              <a:t>Advantages</a:t>
+              <a:t>Disadvantages</a:t>
             </a:r>
             <a:endParaRPr lang="en-US" dirty="0"/>
           </a:p>
@@ -22323,25 +22362,22 @@
         <p:spPr/>
         <p:txBody>
           <a:bodyPr>
-            <a:normAutofit/>
+            <a:normAutofit fontScale="92500" lnSpcReduction="10000"/>
           </a:bodyPr>
           <a:lstStyle/>
           <a:p>
-            <a:pPr marL="0" indent="0">
-              <a:buNone/>
-            </a:pPr>
             <a:endParaRPr lang="en-US" dirty="0" smtClean="0"/>
           </a:p>
           <a:p>
             <a:r>
               <a:rPr lang="en-US" dirty="0" smtClean="0"/>
-              <a:t>Because kernel has full knowledge of all threads, Scheduler may decide to give more time to a process having large number of threads than process having small number of threads.</a:t>
+              <a:t>The kernel-level threads are slow and inefficient. For instance, threads operations are hundreds of times slower than that of user-level threads.</a:t>
             </a:r>
           </a:p>
           <a:p>
             <a:r>
               <a:rPr lang="en-US" dirty="0" smtClean="0"/>
-              <a:t>Kernel-level threads are especially good for applications that frequently block.</a:t>
+              <a:t>Since kernel must manage and schedule threads as well as processes. It require a full thread control block (TCB) for each thread to maintain information about threads. As a result there is significant overhead and increased in kernel complexity.</a:t>
             </a:r>
             <a:endParaRPr lang="en-US" dirty="0"/>
           </a:p>
@@ -22350,7 +22386,7 @@
     </p:spTree>
     <p:extLst>
       <p:ext uri="{BB962C8B-B14F-4D97-AF65-F5344CB8AC3E}">
-        <p14:creationId xmlns:p14="http://schemas.microsoft.com/office/powerpoint/2010/main" val="3792604551"/>
+        <p14:creationId xmlns:p14="http://schemas.microsoft.com/office/powerpoint/2010/main" val="2821183971"/>
       </p:ext>
     </p:extLst>
   </p:cSld>
